--- a/hackoton.pptx
+++ b/hackoton.pptx
@@ -8558,11 +8558,7 @@
             </a:r>
             <a:r>
               <a:rPr lang="en-US" sz="2200" dirty="0" smtClean="0"/>
-              <a:t>Blazor, ASP .Net Core, </a:t>
-            </a:r>
-            <a:r>
-              <a:rPr lang="en-US" sz="2200" dirty="0" smtClean="0"/>
-              <a:t>Django</a:t>
+              <a:t>Blazor, ASP .Net Core, Django</a:t>
             </a:r>
             <a:r>
               <a:rPr lang="ru-RU" sz="2200" dirty="0" smtClean="0"/>
@@ -8570,11 +8566,7 @@
             </a:r>
             <a:r>
               <a:rPr lang="en-US" sz="2200" dirty="0" smtClean="0"/>
-              <a:t>C</a:t>
-            </a:r>
-            <a:r>
-              <a:rPr lang="en-US" sz="2200" dirty="0" smtClean="0"/>
-              <a:t>#,</a:t>
+              <a:t>C#,</a:t>
             </a:r>
             <a:r>
               <a:rPr lang="ru-RU" sz="2200" dirty="0" smtClean="0"/>
@@ -8582,11 +8574,7 @@
             </a:r>
             <a:r>
               <a:rPr lang="en-US" sz="2200" dirty="0" smtClean="0"/>
-              <a:t>Mudblazor, ASP .Net </a:t>
-            </a:r>
-            <a:r>
-              <a:rPr lang="en-US" sz="2200" dirty="0" smtClean="0"/>
-              <a:t>Core</a:t>
+              <a:t>Mudblazor, ASP .Net Core</a:t>
             </a:r>
             <a:r>
               <a:rPr lang="ru-RU" sz="2200" dirty="0" smtClean="0"/>
@@ -10357,17 +10345,15 @@
             </a:pPr>
             <a:r>
               <a:rPr lang="ru-RU" sz="2200" dirty="0" smtClean="0"/>
-              <a:t>Рассылка уведомлений об изменении расписания</a:t>
-            </a:r>
-          </a:p>
-          <a:p>
-            <a:pPr marL="457200" indent="-457200">
-              <a:buFont typeface="+mj-lt"/>
-              <a:buAutoNum type="arabicPeriod"/>
-            </a:pPr>
-            <a:r>
-              <a:rPr lang="ru-RU" sz="2200" dirty="0" smtClean="0"/>
-              <a:t>Авторизация по ролям. </a:t>
+              <a:t>Рассылка уведомлений об </a:t>
+            </a:r>
+            <a:r>
+              <a:rPr lang="ru-RU" sz="2200" smtClean="0"/>
+              <a:t>изменении </a:t>
+            </a:r>
+            <a:r>
+              <a:rPr lang="ru-RU" sz="2200" smtClean="0"/>
+              <a:t>расписания.</a:t>
             </a:r>
             <a:endParaRPr lang="ru-RU" sz="2200" dirty="0"/>
           </a:p>
@@ -10914,15 +10900,7 @@
             </a:pPr>
             <a:r>
               <a:rPr lang="ru-RU" sz="2200" dirty="0" smtClean="0"/>
-              <a:t>В последующем будет создан редактор для диспетчера, организован </a:t>
-            </a:r>
-            <a:r>
-              <a:rPr lang="ru-RU" sz="2200" dirty="0" smtClean="0"/>
-              <a:t>парсинг, </a:t>
-            </a:r>
-            <a:r>
-              <a:rPr lang="ru-RU" sz="2200" dirty="0" smtClean="0"/>
-              <a:t>статистика для преподавателя, сравнение расписаний.</a:t>
+              <a:t>В последующем будет создан редактор для диспетчера, организован парсинг, статистика для преподавателя, сравнение расписаний.</a:t>
             </a:r>
             <a:endParaRPr lang="ru-RU" sz="2200" dirty="0"/>
           </a:p>

--- a/hackoton.pptx
+++ b/hackoton.pptx
@@ -8573,11 +8573,11 @@
               <a:t> </a:t>
             </a:r>
             <a:r>
-              <a:rPr lang="en-US" sz="2200" dirty="0" smtClean="0"/>
-              <a:t>Mudblazor, ASP .Net Core</a:t>
-            </a:r>
-            <a:r>
-              <a:rPr lang="ru-RU" sz="2200" dirty="0" smtClean="0"/>
+              <a:rPr lang="en-US" sz="2200" smtClean="0"/>
+              <a:t>Mudblazor</a:t>
+            </a:r>
+            <a:r>
+              <a:rPr lang="ru-RU" sz="2200" smtClean="0"/>
               <a:t>, </a:t>
             </a:r>
             <a:r>
@@ -10349,11 +10349,7 @@
             </a:r>
             <a:r>
               <a:rPr lang="ru-RU" sz="2200" smtClean="0"/>
-              <a:t>изменении </a:t>
-            </a:r>
-            <a:r>
-              <a:rPr lang="ru-RU" sz="2200" smtClean="0"/>
-              <a:t>расписания.</a:t>
+              <a:t>изменении расписания.</a:t>
             </a:r>
             <a:endParaRPr lang="ru-RU" sz="2200" dirty="0"/>
           </a:p>
